--- a/images/theory_analysis/TCP_Handshake/TCP_Handshake.pptx
+++ b/images/theory_analysis/TCP_Handshake/TCP_Handshake.pptx
@@ -8,7 +8,7 @@
     <p:notesMasterId r:id="rId7"/>
   </p:notesMasterIdLst>
   <p:sldIdLst>
-    <p:sldId id="373" r:id="rId2"/>
+    <p:sldId id="376" r:id="rId2"/>
     <p:sldId id="374" r:id="rId3"/>
     <p:sldId id="375" r:id="rId4"/>
     <p:sldId id="368" r:id="rId5"/>
@@ -217,7 +217,7 @@
           <a:p>
             <a:fld id="{6CD5550B-26C4-49A9-A5BA-636EF7BE6CE9}" type="datetimeFigureOut">
               <a:rPr lang="ko-KR" altLang="en-US" smtClean="0"/>
-              <a:t>2021-03-17</a:t>
+              <a:t>2021-03-18</a:t>
             </a:fld>
             <a:endParaRPr lang="ko-KR" altLang="en-US"/>
           </a:p>
@@ -999,7 +999,7 @@
           <a:p>
             <a:fld id="{FB30EDBD-1C2D-4C1E-B459-B60219FAB484}" type="datetimeFigureOut">
               <a:rPr lang="ko-KR" altLang="en-US" smtClean="0"/>
-              <a:t>2021-03-17</a:t>
+              <a:t>2021-03-18</a:t>
             </a:fld>
             <a:endParaRPr lang="ko-KR" altLang="en-US"/>
           </a:p>
@@ -1162,7 +1162,7 @@
           <a:p>
             <a:fld id="{FB30EDBD-1C2D-4C1E-B459-B60219FAB484}" type="datetimeFigureOut">
               <a:rPr lang="ko-KR" altLang="en-US" smtClean="0"/>
-              <a:t>2021-03-17</a:t>
+              <a:t>2021-03-18</a:t>
             </a:fld>
             <a:endParaRPr lang="ko-KR" altLang="en-US"/>
           </a:p>
@@ -1335,7 +1335,7 @@
           <a:p>
             <a:fld id="{FB30EDBD-1C2D-4C1E-B459-B60219FAB484}" type="datetimeFigureOut">
               <a:rPr lang="ko-KR" altLang="en-US" smtClean="0"/>
-              <a:t>2021-03-17</a:t>
+              <a:t>2021-03-18</a:t>
             </a:fld>
             <a:endParaRPr lang="ko-KR" altLang="en-US"/>
           </a:p>
@@ -1498,7 +1498,7 @@
           <a:p>
             <a:fld id="{FB30EDBD-1C2D-4C1E-B459-B60219FAB484}" type="datetimeFigureOut">
               <a:rPr lang="ko-KR" altLang="en-US" smtClean="0"/>
-              <a:t>2021-03-17</a:t>
+              <a:t>2021-03-18</a:t>
             </a:fld>
             <a:endParaRPr lang="ko-KR" altLang="en-US"/>
           </a:p>
@@ -1738,7 +1738,7 @@
           <a:p>
             <a:fld id="{FB30EDBD-1C2D-4C1E-B459-B60219FAB484}" type="datetimeFigureOut">
               <a:rPr lang="ko-KR" altLang="en-US" smtClean="0"/>
-              <a:t>2021-03-17</a:t>
+              <a:t>2021-03-18</a:t>
             </a:fld>
             <a:endParaRPr lang="ko-KR" altLang="en-US"/>
           </a:p>
@@ -2018,7 +2018,7 @@
           <a:p>
             <a:fld id="{FB30EDBD-1C2D-4C1E-B459-B60219FAB484}" type="datetimeFigureOut">
               <a:rPr lang="ko-KR" altLang="en-US" smtClean="0"/>
-              <a:t>2021-03-17</a:t>
+              <a:t>2021-03-18</a:t>
             </a:fld>
             <a:endParaRPr lang="ko-KR" altLang="en-US"/>
           </a:p>
@@ -2432,7 +2432,7 @@
           <a:p>
             <a:fld id="{FB30EDBD-1C2D-4C1E-B459-B60219FAB484}" type="datetimeFigureOut">
               <a:rPr lang="ko-KR" altLang="en-US" smtClean="0"/>
-              <a:t>2021-03-17</a:t>
+              <a:t>2021-03-18</a:t>
             </a:fld>
             <a:endParaRPr lang="ko-KR" altLang="en-US"/>
           </a:p>
@@ -2544,7 +2544,7 @@
           <a:p>
             <a:fld id="{FB30EDBD-1C2D-4C1E-B459-B60219FAB484}" type="datetimeFigureOut">
               <a:rPr lang="ko-KR" altLang="en-US" smtClean="0"/>
-              <a:t>2021-03-17</a:t>
+              <a:t>2021-03-18</a:t>
             </a:fld>
             <a:endParaRPr lang="ko-KR" altLang="en-US"/>
           </a:p>
@@ -2634,7 +2634,7 @@
           <a:p>
             <a:fld id="{FB30EDBD-1C2D-4C1E-B459-B60219FAB484}" type="datetimeFigureOut">
               <a:rPr lang="ko-KR" altLang="en-US" smtClean="0"/>
-              <a:t>2021-03-17</a:t>
+              <a:t>2021-03-18</a:t>
             </a:fld>
             <a:endParaRPr lang="ko-KR" altLang="en-US"/>
           </a:p>
@@ -2904,7 +2904,7 @@
           <a:p>
             <a:fld id="{FB30EDBD-1C2D-4C1E-B459-B60219FAB484}" type="datetimeFigureOut">
               <a:rPr lang="ko-KR" altLang="en-US" smtClean="0"/>
-              <a:t>2021-03-17</a:t>
+              <a:t>2021-03-18</a:t>
             </a:fld>
             <a:endParaRPr lang="ko-KR" altLang="en-US"/>
           </a:p>
@@ -3151,7 +3151,7 @@
           <a:p>
             <a:fld id="{FB30EDBD-1C2D-4C1E-B459-B60219FAB484}" type="datetimeFigureOut">
               <a:rPr lang="ko-KR" altLang="en-US" smtClean="0"/>
-              <a:t>2021-03-17</a:t>
+              <a:t>2021-03-18</a:t>
             </a:fld>
             <a:endParaRPr lang="ko-KR" altLang="en-US"/>
           </a:p>
@@ -3357,7 +3357,7 @@
           <a:p>
             <a:fld id="{FB30EDBD-1C2D-4C1E-B459-B60219FAB484}" type="datetimeFigureOut">
               <a:rPr lang="ko-KR" altLang="en-US" smtClean="0"/>
-              <a:t>2021-03-17</a:t>
+              <a:t>2021-03-18</a:t>
             </a:fld>
             <a:endParaRPr lang="ko-KR" altLang="en-US"/>
           </a:p>
@@ -3751,7 +3751,7 @@
           <a:p>
             <a:r>
               <a:rPr lang="en-US" altLang="ko-KR" sz="3600"/>
-              <a:t>TCP 3 WAY, 4 WAY Handshake</a:t>
+              <a:t>TCP Handshake State</a:t>
             </a:r>
             <a:endParaRPr lang="ko-KR" altLang="en-US" sz="3600" dirty="0"/>
           </a:p>
@@ -5288,7 +5288,7 @@
             <a:pPr algn="ctr"/>
             <a:r>
               <a:rPr lang="en-US" altLang="ko-KR" sz="1050"/>
-              <a:t>FINWAIT_1</a:t>
+              <a:t>FIN_WAIT_1</a:t>
             </a:r>
           </a:p>
         </p:txBody>
@@ -5341,7 +5341,7 @@
             <a:pPr algn="ctr"/>
             <a:r>
               <a:rPr lang="en-US" altLang="ko-KR" sz="1050"/>
-              <a:t>FINWAIT_2</a:t>
+              <a:t>FIN_WAIT_2</a:t>
             </a:r>
           </a:p>
         </p:txBody>
@@ -5360,7 +5360,7 @@
         </p:nvSpPr>
         <p:spPr>
           <a:xfrm>
-            <a:off x="2273222" y="3979683"/>
+            <a:off x="2273222" y="3757582"/>
             <a:ext cx="1212772" cy="239182"/>
           </a:xfrm>
           <a:prstGeom prst="roundRect">
@@ -5982,10 +5982,102 @@
           </a:p>
         </p:txBody>
       </p:sp>
+      <p:cxnSp>
+        <p:nvCxnSpPr>
+          <p:cNvPr id="51" name="직선 연결선 50">
+            <a:extLst>
+              <a:ext uri="{FF2B5EF4-FFF2-40B4-BE49-F238E27FC236}">
+                <a16:creationId xmlns:a16="http://schemas.microsoft.com/office/drawing/2014/main" id="{E83594FD-7159-4BB0-8647-C788699B5783}"/>
+              </a:ext>
+            </a:extLst>
+          </p:cNvPr>
+          <p:cNvCxnSpPr>
+            <a:cxnSpLocks/>
+          </p:cNvCxnSpPr>
+          <p:nvPr/>
+        </p:nvCxnSpPr>
+        <p:spPr>
+          <a:xfrm flipH="1">
+            <a:off x="2411762" y="3992233"/>
+            <a:ext cx="935692" cy="0"/>
+          </a:xfrm>
+          <a:prstGeom prst="line">
+            <a:avLst/>
+          </a:prstGeom>
+          <a:ln w="19050"/>
+        </p:spPr>
+        <p:style>
+          <a:lnRef idx="1">
+            <a:schemeClr val="dk1"/>
+          </a:lnRef>
+          <a:fillRef idx="0">
+            <a:schemeClr val="dk1"/>
+          </a:fillRef>
+          <a:effectRef idx="0">
+            <a:schemeClr val="dk1"/>
+          </a:effectRef>
+          <a:fontRef idx="minor">
+            <a:schemeClr val="tx1"/>
+          </a:fontRef>
+        </p:style>
+      </p:cxnSp>
+      <p:sp>
+        <p:nvSpPr>
+          <p:cNvPr id="52" name="사각형: 둥근 모서리 51">
+            <a:extLst>
+              <a:ext uri="{FF2B5EF4-FFF2-40B4-BE49-F238E27FC236}">
+                <a16:creationId xmlns:a16="http://schemas.microsoft.com/office/drawing/2014/main" id="{4CC613A7-C431-4CE9-BF7E-E7E33806E67F}"/>
+              </a:ext>
+            </a:extLst>
+          </p:cNvPr>
+          <p:cNvSpPr/>
+          <p:nvPr/>
+        </p:nvSpPr>
+        <p:spPr>
+          <a:xfrm>
+            <a:off x="2273222" y="4048034"/>
+            <a:ext cx="1212772" cy="239182"/>
+          </a:xfrm>
+          <a:prstGeom prst="roundRect">
+            <a:avLst>
+              <a:gd name="adj" fmla="val 0"/>
+            </a:avLst>
+          </a:prstGeom>
+          <a:noFill/>
+          <a:ln>
+            <a:noFill/>
+          </a:ln>
+        </p:spPr>
+        <p:style>
+          <a:lnRef idx="2">
+            <a:schemeClr val="dk1"/>
+          </a:lnRef>
+          <a:fillRef idx="1">
+            <a:schemeClr val="lt1"/>
+          </a:fillRef>
+          <a:effectRef idx="0">
+            <a:schemeClr val="dk1"/>
+          </a:effectRef>
+          <a:fontRef idx="minor">
+            <a:schemeClr val="dk1"/>
+          </a:fontRef>
+        </p:style>
+        <p:txBody>
+          <a:bodyPr rtlCol="0" anchor="ctr"/>
+          <a:lstStyle/>
+          <a:p>
+            <a:pPr algn="ctr"/>
+            <a:r>
+              <a:rPr lang="en-US" altLang="ko-KR" sz="1050"/>
+              <a:t>CLOSED</a:t>
+            </a:r>
+          </a:p>
+        </p:txBody>
+      </p:sp>
     </p:spTree>
     <p:extLst>
       <p:ext uri="{BB962C8B-B14F-4D97-AF65-F5344CB8AC3E}">
-        <p14:creationId xmlns:p14="http://schemas.microsoft.com/office/powerpoint/2010/main" val="3749160910"/>
+        <p14:creationId xmlns:p14="http://schemas.microsoft.com/office/powerpoint/2010/main" val="394899565"/>
       </p:ext>
     </p:extLst>
   </p:cSld>

--- a/images/theory_analysis/TCP_Handshake/TCP_Handshake.pptx
+++ b/images/theory_analysis/TCP_Handshake/TCP_Handshake.pptx
@@ -217,7 +217,7 @@
           <a:p>
             <a:fld id="{6CD5550B-26C4-49A9-A5BA-636EF7BE6CE9}" type="datetimeFigureOut">
               <a:rPr lang="ko-KR" altLang="en-US" smtClean="0"/>
-              <a:t>2021-03-18</a:t>
+              <a:t>2021-03-21</a:t>
             </a:fld>
             <a:endParaRPr lang="ko-KR" altLang="en-US"/>
           </a:p>
@@ -999,7 +999,7 @@
           <a:p>
             <a:fld id="{FB30EDBD-1C2D-4C1E-B459-B60219FAB484}" type="datetimeFigureOut">
               <a:rPr lang="ko-KR" altLang="en-US" smtClean="0"/>
-              <a:t>2021-03-18</a:t>
+              <a:t>2021-03-21</a:t>
             </a:fld>
             <a:endParaRPr lang="ko-KR" altLang="en-US"/>
           </a:p>
@@ -1162,7 +1162,7 @@
           <a:p>
             <a:fld id="{FB30EDBD-1C2D-4C1E-B459-B60219FAB484}" type="datetimeFigureOut">
               <a:rPr lang="ko-KR" altLang="en-US" smtClean="0"/>
-              <a:t>2021-03-18</a:t>
+              <a:t>2021-03-21</a:t>
             </a:fld>
             <a:endParaRPr lang="ko-KR" altLang="en-US"/>
           </a:p>
@@ -1335,7 +1335,7 @@
           <a:p>
             <a:fld id="{FB30EDBD-1C2D-4C1E-B459-B60219FAB484}" type="datetimeFigureOut">
               <a:rPr lang="ko-KR" altLang="en-US" smtClean="0"/>
-              <a:t>2021-03-18</a:t>
+              <a:t>2021-03-21</a:t>
             </a:fld>
             <a:endParaRPr lang="ko-KR" altLang="en-US"/>
           </a:p>
@@ -1498,7 +1498,7 @@
           <a:p>
             <a:fld id="{FB30EDBD-1C2D-4C1E-B459-B60219FAB484}" type="datetimeFigureOut">
               <a:rPr lang="ko-KR" altLang="en-US" smtClean="0"/>
-              <a:t>2021-03-18</a:t>
+              <a:t>2021-03-21</a:t>
             </a:fld>
             <a:endParaRPr lang="ko-KR" altLang="en-US"/>
           </a:p>
@@ -1738,7 +1738,7 @@
           <a:p>
             <a:fld id="{FB30EDBD-1C2D-4C1E-B459-B60219FAB484}" type="datetimeFigureOut">
               <a:rPr lang="ko-KR" altLang="en-US" smtClean="0"/>
-              <a:t>2021-03-18</a:t>
+              <a:t>2021-03-21</a:t>
             </a:fld>
             <a:endParaRPr lang="ko-KR" altLang="en-US"/>
           </a:p>
@@ -2018,7 +2018,7 @@
           <a:p>
             <a:fld id="{FB30EDBD-1C2D-4C1E-B459-B60219FAB484}" type="datetimeFigureOut">
               <a:rPr lang="ko-KR" altLang="en-US" smtClean="0"/>
-              <a:t>2021-03-18</a:t>
+              <a:t>2021-03-21</a:t>
             </a:fld>
             <a:endParaRPr lang="ko-KR" altLang="en-US"/>
           </a:p>
@@ -2432,7 +2432,7 @@
           <a:p>
             <a:fld id="{FB30EDBD-1C2D-4C1E-B459-B60219FAB484}" type="datetimeFigureOut">
               <a:rPr lang="ko-KR" altLang="en-US" smtClean="0"/>
-              <a:t>2021-03-18</a:t>
+              <a:t>2021-03-21</a:t>
             </a:fld>
             <a:endParaRPr lang="ko-KR" altLang="en-US"/>
           </a:p>
@@ -2544,7 +2544,7 @@
           <a:p>
             <a:fld id="{FB30EDBD-1C2D-4C1E-B459-B60219FAB484}" type="datetimeFigureOut">
               <a:rPr lang="ko-KR" altLang="en-US" smtClean="0"/>
-              <a:t>2021-03-18</a:t>
+              <a:t>2021-03-21</a:t>
             </a:fld>
             <a:endParaRPr lang="ko-KR" altLang="en-US"/>
           </a:p>
@@ -2634,7 +2634,7 @@
           <a:p>
             <a:fld id="{FB30EDBD-1C2D-4C1E-B459-B60219FAB484}" type="datetimeFigureOut">
               <a:rPr lang="ko-KR" altLang="en-US" smtClean="0"/>
-              <a:t>2021-03-18</a:t>
+              <a:t>2021-03-21</a:t>
             </a:fld>
             <a:endParaRPr lang="ko-KR" altLang="en-US"/>
           </a:p>
@@ -2904,7 +2904,7 @@
           <a:p>
             <a:fld id="{FB30EDBD-1C2D-4C1E-B459-B60219FAB484}" type="datetimeFigureOut">
               <a:rPr lang="ko-KR" altLang="en-US" smtClean="0"/>
-              <a:t>2021-03-18</a:t>
+              <a:t>2021-03-21</a:t>
             </a:fld>
             <a:endParaRPr lang="ko-KR" altLang="en-US"/>
           </a:p>
@@ -3151,7 +3151,7 @@
           <a:p>
             <a:fld id="{FB30EDBD-1C2D-4C1E-B459-B60219FAB484}" type="datetimeFigureOut">
               <a:rPr lang="ko-KR" altLang="en-US" smtClean="0"/>
-              <a:t>2021-03-18</a:t>
+              <a:t>2021-03-21</a:t>
             </a:fld>
             <a:endParaRPr lang="ko-KR" altLang="en-US"/>
           </a:p>
@@ -3357,7 +3357,7 @@
           <a:p>
             <a:fld id="{FB30EDBD-1C2D-4C1E-B459-B60219FAB484}" type="datetimeFigureOut">
               <a:rPr lang="ko-KR" altLang="en-US" smtClean="0"/>
-              <a:t>2021-03-18</a:t>
+              <a:t>2021-03-21</a:t>
             </a:fld>
             <a:endParaRPr lang="ko-KR" altLang="en-US"/>
           </a:p>
@@ -3771,7 +3771,7 @@
         </p:nvSpPr>
         <p:spPr>
           <a:xfrm>
-            <a:off x="3130238" y="691848"/>
+            <a:off x="3130238" y="676352"/>
             <a:ext cx="583814" cy="276999"/>
           </a:xfrm>
           <a:prstGeom prst="rect">
@@ -3811,7 +3811,7 @@
         </p:nvCxnSpPr>
         <p:spPr>
           <a:xfrm>
-            <a:off x="3422145" y="968847"/>
+            <a:off x="3422145" y="953351"/>
             <a:ext cx="0" cy="3331095"/>
           </a:xfrm>
           <a:prstGeom prst="line">
@@ -3848,7 +3848,7 @@
         </p:nvSpPr>
         <p:spPr>
           <a:xfrm>
-            <a:off x="5341331" y="691848"/>
+            <a:off x="5341331" y="676352"/>
             <a:ext cx="621580" cy="276999"/>
           </a:xfrm>
           <a:prstGeom prst="rect">
@@ -3888,7 +3888,7 @@
         </p:nvCxnSpPr>
         <p:spPr>
           <a:xfrm>
-            <a:off x="5652121" y="968847"/>
+            <a:off x="5652121" y="953351"/>
             <a:ext cx="0" cy="3342803"/>
           </a:xfrm>
           <a:prstGeom prst="line">
@@ -4258,7 +4258,7 @@
         </p:nvSpPr>
         <p:spPr>
           <a:xfrm>
-            <a:off x="2411762" y="934146"/>
+            <a:off x="2411762" y="936508"/>
             <a:ext cx="947468" cy="239182"/>
           </a:xfrm>
           <a:prstGeom prst="roundRect">
@@ -4442,7 +4442,7 @@
         </p:nvSpPr>
         <p:spPr>
           <a:xfrm>
-            <a:off x="5724128" y="1061302"/>
+            <a:off x="5724128" y="1153206"/>
             <a:ext cx="947468" cy="239182"/>
           </a:xfrm>
           <a:prstGeom prst="roundRect">
@@ -4980,7 +4980,7 @@
         </p:nvCxnSpPr>
         <p:spPr>
           <a:xfrm flipH="1">
-            <a:off x="2411762" y="3115872"/>
+            <a:off x="2411762" y="3006801"/>
             <a:ext cx="935692" cy="0"/>
           </a:xfrm>
           <a:prstGeom prst="line">
@@ -5254,7 +5254,7 @@
         </p:nvSpPr>
         <p:spPr>
           <a:xfrm>
-            <a:off x="2273222" y="3210895"/>
+            <a:off x="2273222" y="3156552"/>
             <a:ext cx="1212772" cy="239182"/>
           </a:xfrm>
           <a:prstGeom prst="roundRect">
@@ -6037,6 +6037,798 @@
           <a:xfrm>
             <a:off x="2273222" y="4048034"/>
             <a:ext cx="1212772" cy="239182"/>
+          </a:xfrm>
+          <a:prstGeom prst="roundRect">
+            <a:avLst>
+              <a:gd name="adj" fmla="val 0"/>
+            </a:avLst>
+          </a:prstGeom>
+          <a:noFill/>
+          <a:ln>
+            <a:noFill/>
+          </a:ln>
+        </p:spPr>
+        <p:style>
+          <a:lnRef idx="2">
+            <a:schemeClr val="dk1"/>
+          </a:lnRef>
+          <a:fillRef idx="1">
+            <a:schemeClr val="lt1"/>
+          </a:fillRef>
+          <a:effectRef idx="0">
+            <a:schemeClr val="dk1"/>
+          </a:effectRef>
+          <a:fontRef idx="minor">
+            <a:schemeClr val="dk1"/>
+          </a:fontRef>
+        </p:style>
+        <p:txBody>
+          <a:bodyPr rtlCol="0" anchor="ctr"/>
+          <a:lstStyle/>
+          <a:p>
+            <a:pPr algn="ctr"/>
+            <a:r>
+              <a:rPr lang="en-US" altLang="ko-KR" sz="1050"/>
+              <a:t>CLOSED</a:t>
+            </a:r>
+          </a:p>
+        </p:txBody>
+      </p:sp>
+      <p:sp>
+        <p:nvSpPr>
+          <p:cNvPr id="53" name="사각형: 둥근 모서리 52">
+            <a:extLst>
+              <a:ext uri="{FF2B5EF4-FFF2-40B4-BE49-F238E27FC236}">
+                <a16:creationId xmlns:a16="http://schemas.microsoft.com/office/drawing/2014/main" id="{8A0964A1-9418-473E-98EB-D8401A175AFC}"/>
+              </a:ext>
+            </a:extLst>
+          </p:cNvPr>
+          <p:cNvSpPr/>
+          <p:nvPr/>
+        </p:nvSpPr>
+        <p:spPr>
+          <a:xfrm>
+            <a:off x="1475656" y="1264278"/>
+            <a:ext cx="947468" cy="239182"/>
+          </a:xfrm>
+          <a:prstGeom prst="roundRect">
+            <a:avLst>
+              <a:gd name="adj" fmla="val 0"/>
+            </a:avLst>
+          </a:prstGeom>
+          <a:noFill/>
+          <a:ln>
+            <a:noFill/>
+          </a:ln>
+        </p:spPr>
+        <p:style>
+          <a:lnRef idx="2">
+            <a:schemeClr val="dk1"/>
+          </a:lnRef>
+          <a:fillRef idx="1">
+            <a:schemeClr val="lt1"/>
+          </a:fillRef>
+          <a:effectRef idx="0">
+            <a:schemeClr val="dk1"/>
+          </a:effectRef>
+          <a:fontRef idx="minor">
+            <a:schemeClr val="dk1"/>
+          </a:fontRef>
+        </p:style>
+        <p:txBody>
+          <a:bodyPr rtlCol="0" anchor="ctr"/>
+          <a:lstStyle/>
+          <a:p>
+            <a:pPr algn="ctr"/>
+            <a:r>
+              <a:rPr lang="en-US" altLang="ko-KR" sz="800"/>
+              <a:t>connect()</a:t>
+            </a:r>
+          </a:p>
+        </p:txBody>
+      </p:sp>
+      <p:sp>
+        <p:nvSpPr>
+          <p:cNvPr id="54" name="사각형: 둥근 모서리 53">
+            <a:extLst>
+              <a:ext uri="{FF2B5EF4-FFF2-40B4-BE49-F238E27FC236}">
+                <a16:creationId xmlns:a16="http://schemas.microsoft.com/office/drawing/2014/main" id="{5249A8B8-6360-4861-92F6-D8C94B6DB457}"/>
+              </a:ext>
+            </a:extLst>
+          </p:cNvPr>
+          <p:cNvSpPr/>
+          <p:nvPr/>
+        </p:nvSpPr>
+        <p:spPr>
+          <a:xfrm>
+            <a:off x="6625053" y="1469671"/>
+            <a:ext cx="947468" cy="239182"/>
+          </a:xfrm>
+          <a:prstGeom prst="roundRect">
+            <a:avLst>
+              <a:gd name="adj" fmla="val 0"/>
+            </a:avLst>
+          </a:prstGeom>
+          <a:noFill/>
+          <a:ln>
+            <a:noFill/>
+          </a:ln>
+        </p:spPr>
+        <p:style>
+          <a:lnRef idx="2">
+            <a:schemeClr val="dk1"/>
+          </a:lnRef>
+          <a:fillRef idx="1">
+            <a:schemeClr val="lt1"/>
+          </a:fillRef>
+          <a:effectRef idx="0">
+            <a:schemeClr val="dk1"/>
+          </a:effectRef>
+          <a:fontRef idx="minor">
+            <a:schemeClr val="dk1"/>
+          </a:fontRef>
+        </p:style>
+        <p:txBody>
+          <a:bodyPr rtlCol="0" anchor="ctr"/>
+          <a:lstStyle/>
+          <a:p>
+            <a:pPr algn="ctr"/>
+            <a:r>
+              <a:rPr lang="en-US" altLang="ko-KR" sz="800"/>
+              <a:t>accept()</a:t>
+            </a:r>
+          </a:p>
+        </p:txBody>
+      </p:sp>
+      <p:sp>
+        <p:nvSpPr>
+          <p:cNvPr id="55" name="사각형: 둥근 모서리 54">
+            <a:extLst>
+              <a:ext uri="{FF2B5EF4-FFF2-40B4-BE49-F238E27FC236}">
+                <a16:creationId xmlns:a16="http://schemas.microsoft.com/office/drawing/2014/main" id="{B01DC48F-EF89-42E9-8301-B3265838D5BD}"/>
+              </a:ext>
+            </a:extLst>
+          </p:cNvPr>
+          <p:cNvSpPr/>
+          <p:nvPr/>
+        </p:nvSpPr>
+        <p:spPr>
+          <a:xfrm>
+            <a:off x="6751563" y="987574"/>
+            <a:ext cx="947468" cy="239182"/>
+          </a:xfrm>
+          <a:prstGeom prst="roundRect">
+            <a:avLst>
+              <a:gd name="adj" fmla="val 0"/>
+            </a:avLst>
+          </a:prstGeom>
+          <a:noFill/>
+          <a:ln>
+            <a:noFill/>
+          </a:ln>
+        </p:spPr>
+        <p:style>
+          <a:lnRef idx="2">
+            <a:schemeClr val="dk1"/>
+          </a:lnRef>
+          <a:fillRef idx="1">
+            <a:schemeClr val="lt1"/>
+          </a:fillRef>
+          <a:effectRef idx="0">
+            <a:schemeClr val="dk1"/>
+          </a:effectRef>
+          <a:fontRef idx="minor">
+            <a:schemeClr val="dk1"/>
+          </a:fontRef>
+        </p:style>
+        <p:txBody>
+          <a:bodyPr rtlCol="0" anchor="ctr"/>
+          <a:lstStyle/>
+          <a:p>
+            <a:pPr algn="ctr"/>
+            <a:r>
+              <a:rPr lang="en-US" altLang="ko-KR" sz="800"/>
+              <a:t>bind(), listen()</a:t>
+            </a:r>
+          </a:p>
+        </p:txBody>
+      </p:sp>
+      <p:sp>
+        <p:nvSpPr>
+          <p:cNvPr id="56" name="사각형: 둥근 모서리 55">
+            <a:extLst>
+              <a:ext uri="{FF2B5EF4-FFF2-40B4-BE49-F238E27FC236}">
+                <a16:creationId xmlns:a16="http://schemas.microsoft.com/office/drawing/2014/main" id="{5A88BE86-7EBD-4220-B754-13D77084F600}"/>
+              </a:ext>
+            </a:extLst>
+          </p:cNvPr>
+          <p:cNvSpPr/>
+          <p:nvPr/>
+        </p:nvSpPr>
+        <p:spPr>
+          <a:xfrm>
+            <a:off x="1370947" y="2948890"/>
+            <a:ext cx="947468" cy="239182"/>
+          </a:xfrm>
+          <a:prstGeom prst="roundRect">
+            <a:avLst>
+              <a:gd name="adj" fmla="val 0"/>
+            </a:avLst>
+          </a:prstGeom>
+          <a:noFill/>
+          <a:ln>
+            <a:noFill/>
+          </a:ln>
+        </p:spPr>
+        <p:style>
+          <a:lnRef idx="2">
+            <a:schemeClr val="dk1"/>
+          </a:lnRef>
+          <a:fillRef idx="1">
+            <a:schemeClr val="lt1"/>
+          </a:fillRef>
+          <a:effectRef idx="0">
+            <a:schemeClr val="dk1"/>
+          </a:effectRef>
+          <a:fontRef idx="minor">
+            <a:schemeClr val="dk1"/>
+          </a:fontRef>
+        </p:style>
+        <p:txBody>
+          <a:bodyPr rtlCol="0" anchor="ctr"/>
+          <a:lstStyle/>
+          <a:p>
+            <a:pPr algn="ctr"/>
+            <a:r>
+              <a:rPr lang="en-US" altLang="ko-KR" sz="800"/>
+              <a:t>close() or</a:t>
+            </a:r>
+          </a:p>
+          <a:p>
+            <a:pPr algn="ctr"/>
+            <a:r>
+              <a:rPr lang="en-US" altLang="ko-KR" sz="800"/>
+              <a:t>process killed</a:t>
+            </a:r>
+          </a:p>
+        </p:txBody>
+      </p:sp>
+      <p:sp>
+        <p:nvSpPr>
+          <p:cNvPr id="59" name="사각형: 둥근 모서리 58">
+            <a:extLst>
+              <a:ext uri="{FF2B5EF4-FFF2-40B4-BE49-F238E27FC236}">
+                <a16:creationId xmlns:a16="http://schemas.microsoft.com/office/drawing/2014/main" id="{2DBEFF07-6930-4292-BC87-467F55A230D4}"/>
+              </a:ext>
+            </a:extLst>
+          </p:cNvPr>
+          <p:cNvSpPr/>
+          <p:nvPr/>
+        </p:nvSpPr>
+        <p:spPr>
+          <a:xfrm>
+            <a:off x="6748456" y="3372933"/>
+            <a:ext cx="947468" cy="239182"/>
+          </a:xfrm>
+          <a:prstGeom prst="roundRect">
+            <a:avLst>
+              <a:gd name="adj" fmla="val 0"/>
+            </a:avLst>
+          </a:prstGeom>
+          <a:noFill/>
+          <a:ln>
+            <a:noFill/>
+          </a:ln>
+        </p:spPr>
+        <p:style>
+          <a:lnRef idx="2">
+            <a:schemeClr val="dk1"/>
+          </a:lnRef>
+          <a:fillRef idx="1">
+            <a:schemeClr val="lt1"/>
+          </a:fillRef>
+          <a:effectRef idx="0">
+            <a:schemeClr val="dk1"/>
+          </a:effectRef>
+          <a:fontRef idx="minor">
+            <a:schemeClr val="dk1"/>
+          </a:fontRef>
+        </p:style>
+        <p:txBody>
+          <a:bodyPr rtlCol="0" anchor="ctr"/>
+          <a:lstStyle/>
+          <a:p>
+            <a:pPr algn="ctr"/>
+            <a:r>
+              <a:rPr lang="en-US" altLang="ko-KR" sz="800"/>
+              <a:t>close() or</a:t>
+            </a:r>
+          </a:p>
+          <a:p>
+            <a:pPr algn="ctr"/>
+            <a:r>
+              <a:rPr lang="en-US" altLang="ko-KR" sz="800"/>
+              <a:t>process killed</a:t>
+            </a:r>
+          </a:p>
+        </p:txBody>
+      </p:sp>
+      <p:sp>
+        <p:nvSpPr>
+          <p:cNvPr id="3" name="왼쪽 중괄호 2">
+            <a:extLst>
+              <a:ext uri="{FF2B5EF4-FFF2-40B4-BE49-F238E27FC236}">
+                <a16:creationId xmlns:a16="http://schemas.microsoft.com/office/drawing/2014/main" id="{A96D249E-56FC-4CC5-A0D4-7E0AAD2572D4}"/>
+              </a:ext>
+            </a:extLst>
+          </p:cNvPr>
+          <p:cNvSpPr/>
+          <p:nvPr/>
+        </p:nvSpPr>
+        <p:spPr>
+          <a:xfrm>
+            <a:off x="2195736" y="1173328"/>
+            <a:ext cx="141336" cy="435896"/>
+          </a:xfrm>
+          <a:prstGeom prst="leftBrace">
+            <a:avLst/>
+          </a:prstGeom>
+          <a:ln w="12700"/>
+        </p:spPr>
+        <p:style>
+          <a:lnRef idx="1">
+            <a:schemeClr val="dk1"/>
+          </a:lnRef>
+          <a:fillRef idx="0">
+            <a:schemeClr val="dk1"/>
+          </a:fillRef>
+          <a:effectRef idx="0">
+            <a:schemeClr val="dk1"/>
+          </a:effectRef>
+          <a:fontRef idx="minor">
+            <a:schemeClr val="tx1"/>
+          </a:fontRef>
+        </p:style>
+        <p:txBody>
+          <a:bodyPr rtlCol="0" anchor="ctr"/>
+          <a:lstStyle/>
+          <a:p>
+            <a:pPr algn="ctr"/>
+            <a:endParaRPr lang="ko-KR" altLang="en-US"/>
+          </a:p>
+        </p:txBody>
+      </p:sp>
+      <p:sp>
+        <p:nvSpPr>
+          <p:cNvPr id="61" name="왼쪽 중괄호 60">
+            <a:extLst>
+              <a:ext uri="{FF2B5EF4-FFF2-40B4-BE49-F238E27FC236}">
+                <a16:creationId xmlns:a16="http://schemas.microsoft.com/office/drawing/2014/main" id="{3E8046E0-901D-4C7A-8367-271A1B2278B1}"/>
+              </a:ext>
+            </a:extLst>
+          </p:cNvPr>
+          <p:cNvSpPr/>
+          <p:nvPr/>
+        </p:nvSpPr>
+        <p:spPr>
+          <a:xfrm rot="10800000">
+            <a:off x="6725638" y="1387906"/>
+            <a:ext cx="141336" cy="435896"/>
+          </a:xfrm>
+          <a:prstGeom prst="leftBrace">
+            <a:avLst/>
+          </a:prstGeom>
+          <a:ln w="12700"/>
+        </p:spPr>
+        <p:style>
+          <a:lnRef idx="1">
+            <a:schemeClr val="dk1"/>
+          </a:lnRef>
+          <a:fillRef idx="0">
+            <a:schemeClr val="dk1"/>
+          </a:fillRef>
+          <a:effectRef idx="0">
+            <a:schemeClr val="dk1"/>
+          </a:effectRef>
+          <a:fontRef idx="minor">
+            <a:schemeClr val="tx1"/>
+          </a:fontRef>
+        </p:style>
+        <p:txBody>
+          <a:bodyPr rtlCol="0" anchor="ctr"/>
+          <a:lstStyle/>
+          <a:p>
+            <a:pPr algn="ctr"/>
+            <a:endParaRPr lang="ko-KR" altLang="en-US"/>
+          </a:p>
+        </p:txBody>
+      </p:sp>
+      <p:sp>
+        <p:nvSpPr>
+          <p:cNvPr id="62" name="왼쪽 중괄호 61">
+            <a:extLst>
+              <a:ext uri="{FF2B5EF4-FFF2-40B4-BE49-F238E27FC236}">
+                <a16:creationId xmlns:a16="http://schemas.microsoft.com/office/drawing/2014/main" id="{E27B2FB7-35F0-4F08-B653-3371B22395ED}"/>
+              </a:ext>
+            </a:extLst>
+          </p:cNvPr>
+          <p:cNvSpPr/>
+          <p:nvPr/>
+        </p:nvSpPr>
+        <p:spPr>
+          <a:xfrm>
+            <a:off x="2195736" y="1611628"/>
+            <a:ext cx="141336" cy="1394820"/>
+          </a:xfrm>
+          <a:prstGeom prst="leftBrace">
+            <a:avLst/>
+          </a:prstGeom>
+          <a:ln w="12700"/>
+        </p:spPr>
+        <p:style>
+          <a:lnRef idx="1">
+            <a:schemeClr val="dk1"/>
+          </a:lnRef>
+          <a:fillRef idx="0">
+            <a:schemeClr val="dk1"/>
+          </a:fillRef>
+          <a:effectRef idx="0">
+            <a:schemeClr val="dk1"/>
+          </a:effectRef>
+          <a:fontRef idx="minor">
+            <a:schemeClr val="tx1"/>
+          </a:fontRef>
+        </p:style>
+        <p:txBody>
+          <a:bodyPr rtlCol="0" anchor="ctr"/>
+          <a:lstStyle/>
+          <a:p>
+            <a:pPr algn="ctr"/>
+            <a:endParaRPr lang="ko-KR" altLang="en-US"/>
+          </a:p>
+        </p:txBody>
+      </p:sp>
+      <p:sp>
+        <p:nvSpPr>
+          <p:cNvPr id="64" name="사각형: 둥근 모서리 63">
+            <a:extLst>
+              <a:ext uri="{FF2B5EF4-FFF2-40B4-BE49-F238E27FC236}">
+                <a16:creationId xmlns:a16="http://schemas.microsoft.com/office/drawing/2014/main" id="{A791D8DC-C33F-4FEA-8740-F56F552E832C}"/>
+              </a:ext>
+            </a:extLst>
+          </p:cNvPr>
+          <p:cNvSpPr/>
+          <p:nvPr/>
+        </p:nvSpPr>
+        <p:spPr>
+          <a:xfrm>
+            <a:off x="1391614" y="2187327"/>
+            <a:ext cx="947468" cy="239182"/>
+          </a:xfrm>
+          <a:prstGeom prst="roundRect">
+            <a:avLst>
+              <a:gd name="adj" fmla="val 0"/>
+            </a:avLst>
+          </a:prstGeom>
+          <a:noFill/>
+          <a:ln>
+            <a:noFill/>
+          </a:ln>
+        </p:spPr>
+        <p:style>
+          <a:lnRef idx="2">
+            <a:schemeClr val="dk1"/>
+          </a:lnRef>
+          <a:fillRef idx="1">
+            <a:schemeClr val="lt1"/>
+          </a:fillRef>
+          <a:effectRef idx="0">
+            <a:schemeClr val="dk1"/>
+          </a:effectRef>
+          <a:fontRef idx="minor">
+            <a:schemeClr val="dk1"/>
+          </a:fontRef>
+        </p:style>
+        <p:txBody>
+          <a:bodyPr rtlCol="0" anchor="ctr"/>
+          <a:lstStyle/>
+          <a:p>
+            <a:pPr algn="ctr"/>
+            <a:r>
+              <a:rPr lang="en-US" altLang="ko-KR" sz="800"/>
+              <a:t>send(), recv()</a:t>
+            </a:r>
+          </a:p>
+        </p:txBody>
+      </p:sp>
+      <p:sp>
+        <p:nvSpPr>
+          <p:cNvPr id="65" name="왼쪽 중괄호 64">
+            <a:extLst>
+              <a:ext uri="{FF2B5EF4-FFF2-40B4-BE49-F238E27FC236}">
+                <a16:creationId xmlns:a16="http://schemas.microsoft.com/office/drawing/2014/main" id="{BA032C7B-2D8F-4499-A406-99FD02D8591B}"/>
+              </a:ext>
+            </a:extLst>
+          </p:cNvPr>
+          <p:cNvSpPr/>
+          <p:nvPr/>
+        </p:nvSpPr>
+        <p:spPr>
+          <a:xfrm rot="10800000">
+            <a:off x="6725637" y="1049409"/>
+            <a:ext cx="147745" cy="115514"/>
+          </a:xfrm>
+          <a:prstGeom prst="leftBrace">
+            <a:avLst/>
+          </a:prstGeom>
+          <a:ln w="12700"/>
+        </p:spPr>
+        <p:style>
+          <a:lnRef idx="1">
+            <a:schemeClr val="dk1"/>
+          </a:lnRef>
+          <a:fillRef idx="0">
+            <a:schemeClr val="dk1"/>
+          </a:fillRef>
+          <a:effectRef idx="0">
+            <a:schemeClr val="dk1"/>
+          </a:effectRef>
+          <a:fontRef idx="minor">
+            <a:schemeClr val="tx1"/>
+          </a:fontRef>
+        </p:style>
+        <p:txBody>
+          <a:bodyPr rtlCol="0" anchor="ctr"/>
+          <a:lstStyle/>
+          <a:p>
+            <a:pPr algn="ctr"/>
+            <a:endParaRPr lang="ko-KR" altLang="en-US"/>
+          </a:p>
+        </p:txBody>
+      </p:sp>
+      <p:sp>
+        <p:nvSpPr>
+          <p:cNvPr id="66" name="왼쪽 중괄호 65">
+            <a:extLst>
+              <a:ext uri="{FF2B5EF4-FFF2-40B4-BE49-F238E27FC236}">
+                <a16:creationId xmlns:a16="http://schemas.microsoft.com/office/drawing/2014/main" id="{42F863D2-90C9-4867-9476-9EC802BC8092}"/>
+              </a:ext>
+            </a:extLst>
+          </p:cNvPr>
+          <p:cNvSpPr/>
+          <p:nvPr/>
+        </p:nvSpPr>
+        <p:spPr>
+          <a:xfrm rot="10800000">
+            <a:off x="6725638" y="1823324"/>
+            <a:ext cx="141336" cy="1511792"/>
+          </a:xfrm>
+          <a:prstGeom prst="leftBrace">
+            <a:avLst/>
+          </a:prstGeom>
+          <a:ln w="12700"/>
+        </p:spPr>
+        <p:style>
+          <a:lnRef idx="1">
+            <a:schemeClr val="dk1"/>
+          </a:lnRef>
+          <a:fillRef idx="0">
+            <a:schemeClr val="dk1"/>
+          </a:fillRef>
+          <a:effectRef idx="0">
+            <a:schemeClr val="dk1"/>
+          </a:effectRef>
+          <a:fontRef idx="minor">
+            <a:schemeClr val="tx1"/>
+          </a:fontRef>
+        </p:style>
+        <p:txBody>
+          <a:bodyPr rtlCol="0" anchor="ctr"/>
+          <a:lstStyle/>
+          <a:p>
+            <a:pPr algn="ctr"/>
+            <a:endParaRPr lang="ko-KR" altLang="en-US"/>
+          </a:p>
+        </p:txBody>
+      </p:sp>
+      <p:sp>
+        <p:nvSpPr>
+          <p:cNvPr id="67" name="사각형: 둥근 모서리 66">
+            <a:extLst>
+              <a:ext uri="{FF2B5EF4-FFF2-40B4-BE49-F238E27FC236}">
+                <a16:creationId xmlns:a16="http://schemas.microsoft.com/office/drawing/2014/main" id="{0A803950-2101-40C4-9557-8781A0BC29AB}"/>
+              </a:ext>
+            </a:extLst>
+          </p:cNvPr>
+          <p:cNvSpPr/>
+          <p:nvPr/>
+        </p:nvSpPr>
+        <p:spPr>
+          <a:xfrm>
+            <a:off x="6747934" y="2456828"/>
+            <a:ext cx="947468" cy="239182"/>
+          </a:xfrm>
+          <a:prstGeom prst="roundRect">
+            <a:avLst>
+              <a:gd name="adj" fmla="val 0"/>
+            </a:avLst>
+          </a:prstGeom>
+          <a:noFill/>
+          <a:ln>
+            <a:noFill/>
+          </a:ln>
+        </p:spPr>
+        <p:style>
+          <a:lnRef idx="2">
+            <a:schemeClr val="dk1"/>
+          </a:lnRef>
+          <a:fillRef idx="1">
+            <a:schemeClr val="lt1"/>
+          </a:fillRef>
+          <a:effectRef idx="0">
+            <a:schemeClr val="dk1"/>
+          </a:effectRef>
+          <a:fontRef idx="minor">
+            <a:schemeClr val="dk1"/>
+          </a:fontRef>
+        </p:style>
+        <p:txBody>
+          <a:bodyPr rtlCol="0" anchor="ctr"/>
+          <a:lstStyle/>
+          <a:p>
+            <a:pPr algn="ctr"/>
+            <a:r>
+              <a:rPr lang="en-US" altLang="ko-KR" sz="800"/>
+              <a:t>send(), recv()</a:t>
+            </a:r>
+          </a:p>
+        </p:txBody>
+      </p:sp>
+      <p:sp>
+        <p:nvSpPr>
+          <p:cNvPr id="69" name="왼쪽 중괄호 68">
+            <a:extLst>
+              <a:ext uri="{FF2B5EF4-FFF2-40B4-BE49-F238E27FC236}">
+                <a16:creationId xmlns:a16="http://schemas.microsoft.com/office/drawing/2014/main" id="{8377D69E-6887-4212-8FE7-6CF69FDE8FDC}"/>
+              </a:ext>
+            </a:extLst>
+          </p:cNvPr>
+          <p:cNvSpPr/>
+          <p:nvPr/>
+        </p:nvSpPr>
+        <p:spPr>
+          <a:xfrm rot="10800000">
+            <a:off x="6725637" y="3439557"/>
+            <a:ext cx="147745" cy="115514"/>
+          </a:xfrm>
+          <a:prstGeom prst="leftBrace">
+            <a:avLst/>
+          </a:prstGeom>
+          <a:ln w="12700"/>
+        </p:spPr>
+        <p:style>
+          <a:lnRef idx="1">
+            <a:schemeClr val="dk1"/>
+          </a:lnRef>
+          <a:fillRef idx="0">
+            <a:schemeClr val="dk1"/>
+          </a:fillRef>
+          <a:effectRef idx="0">
+            <a:schemeClr val="dk1"/>
+          </a:effectRef>
+          <a:fontRef idx="minor">
+            <a:schemeClr val="tx1"/>
+          </a:fontRef>
+        </p:style>
+        <p:txBody>
+          <a:bodyPr rtlCol="0" anchor="ctr"/>
+          <a:lstStyle/>
+          <a:p>
+            <a:pPr algn="ctr"/>
+            <a:endParaRPr lang="ko-KR" altLang="en-US"/>
+          </a:p>
+        </p:txBody>
+      </p:sp>
+      <p:sp>
+        <p:nvSpPr>
+          <p:cNvPr id="70" name="왼쪽 중괄호 69">
+            <a:extLst>
+              <a:ext uri="{FF2B5EF4-FFF2-40B4-BE49-F238E27FC236}">
+                <a16:creationId xmlns:a16="http://schemas.microsoft.com/office/drawing/2014/main" id="{40A770E0-721A-445B-BF6E-38F5DEC10F70}"/>
+              </a:ext>
+            </a:extLst>
+          </p:cNvPr>
+          <p:cNvSpPr/>
+          <p:nvPr/>
+        </p:nvSpPr>
+        <p:spPr>
+          <a:xfrm>
+            <a:off x="2192501" y="3006450"/>
+            <a:ext cx="147745" cy="115514"/>
+          </a:xfrm>
+          <a:prstGeom prst="leftBrace">
+            <a:avLst/>
+          </a:prstGeom>
+          <a:ln w="12700"/>
+        </p:spPr>
+        <p:style>
+          <a:lnRef idx="1">
+            <a:schemeClr val="dk1"/>
+          </a:lnRef>
+          <a:fillRef idx="0">
+            <a:schemeClr val="dk1"/>
+          </a:fillRef>
+          <a:effectRef idx="0">
+            <a:schemeClr val="dk1"/>
+          </a:effectRef>
+          <a:fontRef idx="minor">
+            <a:schemeClr val="tx1"/>
+          </a:fontRef>
+        </p:style>
+        <p:txBody>
+          <a:bodyPr rtlCol="0" anchor="ctr"/>
+          <a:lstStyle/>
+          <a:p>
+            <a:pPr algn="ctr"/>
+            <a:endParaRPr lang="ko-KR" altLang="en-US"/>
+          </a:p>
+        </p:txBody>
+      </p:sp>
+      <p:cxnSp>
+        <p:nvCxnSpPr>
+          <p:cNvPr id="71" name="직선 연결선 70">
+            <a:extLst>
+              <a:ext uri="{FF2B5EF4-FFF2-40B4-BE49-F238E27FC236}">
+                <a16:creationId xmlns:a16="http://schemas.microsoft.com/office/drawing/2014/main" id="{914FA369-06AE-4170-A379-3DCEC86B089A}"/>
+              </a:ext>
+            </a:extLst>
+          </p:cNvPr>
+          <p:cNvCxnSpPr>
+            <a:cxnSpLocks/>
+          </p:cNvCxnSpPr>
+          <p:nvPr/>
+        </p:nvCxnSpPr>
+        <p:spPr>
+          <a:xfrm flipH="1">
+            <a:off x="5724128" y="1173328"/>
+            <a:ext cx="935692" cy="0"/>
+          </a:xfrm>
+          <a:prstGeom prst="line">
+            <a:avLst/>
+          </a:prstGeom>
+          <a:ln w="19050"/>
+        </p:spPr>
+        <p:style>
+          <a:lnRef idx="1">
+            <a:schemeClr val="dk1"/>
+          </a:lnRef>
+          <a:fillRef idx="0">
+            <a:schemeClr val="dk1"/>
+          </a:fillRef>
+          <a:effectRef idx="0">
+            <a:schemeClr val="dk1"/>
+          </a:effectRef>
+          <a:fontRef idx="minor">
+            <a:schemeClr val="tx1"/>
+          </a:fontRef>
+        </p:style>
+      </p:cxnSp>
+      <p:sp>
+        <p:nvSpPr>
+          <p:cNvPr id="73" name="사각형: 둥근 모서리 72">
+            <a:extLst>
+              <a:ext uri="{FF2B5EF4-FFF2-40B4-BE49-F238E27FC236}">
+                <a16:creationId xmlns:a16="http://schemas.microsoft.com/office/drawing/2014/main" id="{4DD1FBAE-6D82-4E15-B50C-70838D89DE39}"/>
+              </a:ext>
+            </a:extLst>
+          </p:cNvPr>
+          <p:cNvSpPr/>
+          <p:nvPr/>
+        </p:nvSpPr>
+        <p:spPr>
+          <a:xfrm>
+            <a:off x="5722389" y="932568"/>
+            <a:ext cx="947468" cy="239182"/>
           </a:xfrm>
           <a:prstGeom prst="roundRect">
             <a:avLst>
